--- a/final presentation.pptx
+++ b/final presentation.pptx
@@ -113,6 +113,11 @@
       </a:defRPr>
     </a:lvl9pPr>
   </p:defaultTextStyle>
+  <p:extLst>
+    <p:ext uri="{EFAFB233-063F-42B5-8137-9DF3F51BA10A}">
+      <p15:sldGuideLst xmlns:p15="http://schemas.microsoft.com/office/powerpoint/2012/main"/>
+    </p:ext>
+  </p:extLst>
 </p:presentation>
 </file>
 
@@ -354,7 +359,7 @@
           <a:p>
             <a:fld id="{ED291B17-9318-49DB-B28B-6E5994AE9581}" type="datetime1">
               <a:rPr lang="en-US" smtClean="0"/>
-              <a:t>12/12/2020</a:t>
+              <a:t>12/15/2020</a:t>
             </a:fld>
             <a:endParaRPr lang="en-US" dirty="0"/>
           </a:p>
@@ -557,7 +562,7 @@
           <a:p>
             <a:fld id="{2CED4963-E985-44C4-B8C4-FDD613B7C2F8}" type="datetime1">
               <a:rPr lang="en-US" smtClean="0"/>
-              <a:t>12/12/2020</a:t>
+              <a:t>12/15/2020</a:t>
             </a:fld>
             <a:endParaRPr lang="en-US" dirty="0"/>
           </a:p>
@@ -919,7 +924,7 @@
           <a:p>
             <a:fld id="{ED291B17-9318-49DB-B28B-6E5994AE9581}" type="datetime1">
               <a:rPr lang="en-US" smtClean="0"/>
-              <a:t>12/12/2020</a:t>
+              <a:t>12/15/2020</a:t>
             </a:fld>
             <a:endParaRPr lang="en-US" dirty="0"/>
           </a:p>
@@ -1117,7 +1122,7 @@
           <a:p>
             <a:fld id="{78DD82B9-B8EE-4375-B6FF-88FA6ABB15D9}" type="datetime1">
               <a:rPr lang="en-US" smtClean="0"/>
-              <a:t>12/12/2020</a:t>
+              <a:t>12/15/2020</a:t>
             </a:fld>
             <a:endParaRPr lang="en-US" dirty="0"/>
           </a:p>
@@ -1429,7 +1434,7 @@
           <a:p>
             <a:fld id="{B2497495-0637-405E-AE64-5CC7506D51F5}" type="datetime1">
               <a:rPr lang="en-US" smtClean="0"/>
-              <a:t>12/12/2020</a:t>
+              <a:t>12/15/2020</a:t>
             </a:fld>
             <a:endParaRPr lang="en-US" dirty="0"/>
           </a:p>
@@ -1682,7 +1687,7 @@
           <a:p>
             <a:fld id="{7BFFD690-9426-415D-8B65-26881E07B2D4}" type="datetime1">
               <a:rPr lang="en-US" smtClean="0"/>
-              <a:t>12/12/2020</a:t>
+              <a:t>12/15/2020</a:t>
             </a:fld>
             <a:endParaRPr lang="en-US" dirty="0"/>
           </a:p>
@@ -2104,7 +2109,7 @@
           <a:p>
             <a:fld id="{04C4989A-474C-40DE-95B9-011C28B71673}" type="datetime1">
               <a:rPr lang="en-US" smtClean="0"/>
-              <a:t>12/12/2020</a:t>
+              <a:t>12/15/2020</a:t>
             </a:fld>
             <a:endParaRPr lang="en-US" dirty="0"/>
           </a:p>
@@ -2227,7 +2232,7 @@
           <a:p>
             <a:fld id="{5DB4ED54-5B5E-4A04-93D3-5772E3CE3818}" type="datetime1">
               <a:rPr lang="en-US" smtClean="0"/>
-              <a:t>12/12/2020</a:t>
+              <a:t>12/15/2020</a:t>
             </a:fld>
             <a:endParaRPr lang="en-US" dirty="0"/>
           </a:p>
@@ -2322,7 +2327,7 @@
           <a:p>
             <a:fld id="{4EDE50D6-574B-40AF-946F-D52A04ADE379}" type="datetime1">
               <a:rPr lang="en-US" smtClean="0"/>
-              <a:t>12/12/2020</a:t>
+              <a:t>12/15/2020</a:t>
             </a:fld>
             <a:endParaRPr lang="en-US" dirty="0"/>
           </a:p>
@@ -2699,7 +2704,7 @@
           <a:p>
             <a:fld id="{D82884F1-FFEA-405F-9602-3DCA865EDA4E}" type="datetime1">
               <a:rPr lang="en-US" smtClean="0"/>
-              <a:t>12/12/2020</a:t>
+              <a:t>12/15/2020</a:t>
             </a:fld>
             <a:endParaRPr lang="en-US" dirty="0"/>
           </a:p>
@@ -2992,7 +2997,7 @@
           <a:p>
             <a:fld id="{7E18DB4A-8810-4A10-AD5C-D5E2C667F5B3}" type="datetime1">
               <a:rPr lang="en-US" smtClean="0"/>
-              <a:t>12/12/2020</a:t>
+              <a:t>12/15/2020</a:t>
             </a:fld>
             <a:endParaRPr lang="en-US" dirty="0"/>
           </a:p>
@@ -3207,7 +3212,7 @@
           <a:p>
             <a:fld id="{ED291B17-9318-49DB-B28B-6E5994AE9581}" type="datetime1">
               <a:rPr lang="en-US" smtClean="0"/>
-              <a:t>12/12/2020</a:t>
+              <a:t>12/15/2020</a:t>
             </a:fld>
             <a:endParaRPr lang="en-US" dirty="0"/>
           </a:p>
@@ -5372,7 +5377,7 @@
           <a:p>
             <a:r>
               <a:rPr lang="en-US" dirty="0"/>
-              <a:t>Final Step</a:t>
+              <a:t>1-D CNN</a:t>
             </a:r>
           </a:p>
         </p:txBody>
@@ -5398,7 +5403,53 @@
           <a:bodyPr/>
           <a:lstStyle/>
           <a:p>
-            <a:endParaRPr lang="en-US"/>
+            <a:r>
+              <a:rPr lang="en-US" dirty="0"/>
+              <a:t>Take all the characters needed for text classification such as (a-z, A-Z, 0-9, emojis). To achieve it we use character level encoding using TensorFlow Tokenizer.</a:t>
+            </a:r>
+          </a:p>
+          <a:p>
+            <a:r>
+              <a:rPr lang="en-US" dirty="0"/>
+              <a:t>Consider each review as a matrix of 70x1440 containing characters in a one hot representation.</a:t>
+            </a:r>
+          </a:p>
+          <a:p>
+            <a:r>
+              <a:rPr lang="en-US" dirty="0"/>
+              <a:t>Apply 1-D filter that will slide in a single direction to extract positional information of words.</a:t>
+            </a:r>
+          </a:p>
+          <a:p>
+            <a:r>
+              <a:rPr lang="en-US" dirty="0"/>
+              <a:t>This technique avoids out of bag words and thus improve the overall performance.</a:t>
+            </a:r>
+          </a:p>
+          <a:p>
+            <a:r>
+              <a:rPr lang="en-US" dirty="0"/>
+              <a:t>We have used an embedding layer, 5 Convolutional layer, 5 Max pooling layer, activation function ‘RELU’, and a final </a:t>
+            </a:r>
+            <a:r>
+              <a:rPr lang="en-US" dirty="0" err="1"/>
+              <a:t>Softmax</a:t>
+            </a:r>
+            <a:r>
+              <a:rPr lang="en-US" dirty="0"/>
+              <a:t> layer with 3 units.</a:t>
+            </a:r>
+          </a:p>
+          <a:p>
+            <a:r>
+              <a:rPr lang="en-US" dirty="0"/>
+              <a:t>The final accuracy using 1-D </a:t>
+            </a:r>
+            <a:r>
+              <a:rPr lang="en-US"/>
+              <a:t>CNN is 70%.</a:t>
+            </a:r>
+            <a:endParaRPr lang="en-US" dirty="0"/>
           </a:p>
         </p:txBody>
       </p:sp>
